--- a/CSC458/lecture/w6/H10--CSC458-AA.pptx
+++ b/CSC458/lecture/w6/H10--CSC458-AA.pptx
@@ -273,7 +273,7 @@
             <a:fld id="{F6E8FB5F-E7AB-4BA0-A6C1-C4CE60F54423}" type="datetimeFigureOut">
               <a:rPr lang="en-US" smtClean="0"/>
               <a:pPr/>
-              <a:t>10/27/17</a:t>
+              <a:t>11/12/17</a:t>
             </a:fld>
             <a:endParaRPr lang="en-CA"/>
           </a:p>
@@ -441,7 +441,7 @@
             <a:fld id="{72B8EC05-3D9B-431F-86FE-1307797B1786}" type="datetimeFigureOut">
               <a:rPr lang="en-US" smtClean="0"/>
               <a:pPr/>
-              <a:t>10/27/17</a:t>
+              <a:t>11/12/17</a:t>
             </a:fld>
             <a:endParaRPr lang="en-CA"/>
           </a:p>
@@ -4983,7 +4983,7 @@
           <a:bodyPr/>
           <a:lstStyle/>
           <a:p>
-            <a:endParaRPr lang="en-US"/>
+            <a:endParaRPr lang="en-US" dirty="0"/>
           </a:p>
         </p:txBody>
       </p:sp>
@@ -13341,7 +13341,15 @@
           <a:p>
             <a:r>
               <a:rPr lang="en-US" dirty="0"/>
-              <a:t>Simple query protocols like Domain Name System</a:t>
+              <a:t>Simple query protocols </a:t>
+            </a:r>
+            <a:r>
+              <a:rPr lang="en-US" dirty="0">
+                <a:solidFill>
+                  <a:srgbClr val="FF0000"/>
+                </a:solidFill>
+              </a:rPr>
+              <a:t>like Domain Name System</a:t>
             </a:r>
           </a:p>
           <a:p>
@@ -13794,80 +13802,88 @@
           <a:lstStyle/>
           <a:p>
             <a:r>
-              <a:rPr lang="en-US"/>
+              <a:rPr lang="en-US" dirty="0"/>
               <a:t>Connection oriented</a:t>
             </a:r>
           </a:p>
           <a:p>
             <a:pPr lvl="1"/>
             <a:r>
-              <a:rPr lang="en-US"/>
+              <a:rPr lang="en-US" dirty="0"/>
               <a:t>Explicit set-up and tear-down of TCP session</a:t>
             </a:r>
           </a:p>
           <a:p>
             <a:r>
-              <a:rPr lang="en-US"/>
-              <a:t>Stream-of-bytes service</a:t>
+              <a:rPr lang="en-US" dirty="0">
+                <a:solidFill>
+                  <a:srgbClr val="FF0000"/>
+                </a:solidFill>
+              </a:rPr>
+              <a:t>Stream-of-bytes s</a:t>
+            </a:r>
+            <a:r>
+              <a:rPr lang="en-US" dirty="0"/>
+              <a:t>ervice</a:t>
             </a:r>
           </a:p>
           <a:p>
             <a:pPr lvl="1"/>
             <a:r>
-              <a:rPr lang="en-US"/>
+              <a:rPr lang="en-US" dirty="0"/>
               <a:t>Sends and receives a stream of bytes, not messages</a:t>
             </a:r>
           </a:p>
           <a:p>
             <a:r>
-              <a:rPr lang="en-US"/>
+              <a:rPr lang="en-US" dirty="0"/>
               <a:t>Reliable, in-order delivery</a:t>
             </a:r>
           </a:p>
           <a:p>
             <a:pPr lvl="1"/>
             <a:r>
-              <a:rPr lang="en-US"/>
+              <a:rPr lang="en-US" dirty="0"/>
               <a:t>Checksums to detect corrupted data</a:t>
             </a:r>
           </a:p>
           <a:p>
             <a:pPr lvl="1"/>
             <a:r>
-              <a:rPr lang="en-US"/>
+              <a:rPr lang="en-US" dirty="0"/>
               <a:t>Acknowledgments &amp; retransmissions for reliable delivery</a:t>
             </a:r>
           </a:p>
           <a:p>
             <a:pPr lvl="1"/>
             <a:r>
-              <a:rPr lang="en-US"/>
+              <a:rPr lang="en-US" dirty="0"/>
               <a:t>Sequence numbers to detect losses and reorder data</a:t>
             </a:r>
           </a:p>
           <a:p>
             <a:r>
-              <a:rPr lang="en-US"/>
+              <a:rPr lang="en-US" dirty="0"/>
               <a:t>Flow control</a:t>
             </a:r>
           </a:p>
           <a:p>
             <a:pPr lvl="1"/>
             <a:r>
-              <a:rPr lang="en-US"/>
+              <a:rPr lang="en-US" dirty="0"/>
               <a:t>Prevent overflow of the receiver’s buffer space</a:t>
             </a:r>
           </a:p>
           <a:p>
             <a:r>
-              <a:rPr lang="en-US"/>
+              <a:rPr lang="en-US" dirty="0"/>
               <a:t>Congestion control</a:t>
             </a:r>
           </a:p>
           <a:p>
             <a:pPr lvl="1"/>
             <a:r>
-              <a:rPr lang="en-US"/>
+              <a:rPr lang="en-US" dirty="0"/>
               <a:t>Adapt to network congestion for the greater good</a:t>
             </a:r>
           </a:p>
@@ -14238,61 +14254,93 @@
           <a:lstStyle/>
           <a:p>
             <a:r>
-              <a:rPr lang="en-US"/>
+              <a:rPr lang="en-US" dirty="0"/>
               <a:t>Acknowledgments from receiver</a:t>
             </a:r>
           </a:p>
           <a:p>
             <a:pPr lvl="1"/>
             <a:r>
-              <a:rPr lang="en-US"/>
-              <a:t>Positive: “okay” or “ACK”</a:t>
+              <a:rPr lang="en-US" dirty="0"/>
+              <a:t>Positive: “okay” or “</a:t>
+            </a:r>
+            <a:r>
+              <a:rPr lang="en-US" dirty="0">
+                <a:solidFill>
+                  <a:srgbClr val="FF0000"/>
+                </a:solidFill>
+              </a:rPr>
+              <a:t>ACK</a:t>
+            </a:r>
+            <a:r>
+              <a:rPr lang="en-US" dirty="0"/>
+              <a:t>”</a:t>
             </a:r>
           </a:p>
           <a:p>
             <a:pPr lvl="1"/>
             <a:r>
-              <a:rPr lang="en-US"/>
-              <a:t>Negative: “please repeat that” or “NACK”</a:t>
-            </a:r>
-          </a:p>
-          <a:p>
-            <a:r>
-              <a:rPr lang="en-US"/>
+              <a:rPr lang="en-US" dirty="0"/>
+              <a:t>Negative: “please repeat that” or “</a:t>
+            </a:r>
+            <a:r>
+              <a:rPr lang="en-US" dirty="0">
+                <a:solidFill>
+                  <a:srgbClr val="FF0000"/>
+                </a:solidFill>
+              </a:rPr>
+              <a:t>NACK</a:t>
+            </a:r>
+            <a:r>
+              <a:rPr lang="en-US" dirty="0"/>
+              <a:t>”</a:t>
+            </a:r>
+          </a:p>
+          <a:p>
+            <a:r>
+              <a:rPr lang="en-US" dirty="0"/>
               <a:t>Timeout by the sender (“stop and wait”)</a:t>
             </a:r>
           </a:p>
           <a:p>
             <a:pPr lvl="1"/>
             <a:r>
-              <a:rPr lang="en-US"/>
-              <a:t>Don’t wait indefinitely without receiving some response</a:t>
+              <a:rPr lang="en-US" dirty="0">
+                <a:solidFill>
+                  <a:srgbClr val="FF0000"/>
+                </a:solidFill>
+              </a:rPr>
+              <a:t>Don’t wait indefinitely </a:t>
+            </a:r>
+            <a:r>
+              <a:rPr lang="en-US" dirty="0"/>
+              <a:t>without receiving some response</a:t>
             </a:r>
           </a:p>
           <a:p>
             <a:pPr lvl="1"/>
             <a:r>
-              <a:rPr lang="en-US"/>
+              <a:rPr lang="en-US" dirty="0"/>
               <a:t>… whether a positive or a negative acknowledgment</a:t>
             </a:r>
           </a:p>
           <a:p>
             <a:r>
-              <a:rPr lang="en-US"/>
+              <a:rPr lang="en-US" dirty="0"/>
               <a:t>Retransmission by the sender</a:t>
             </a:r>
           </a:p>
           <a:p>
             <a:pPr lvl="1"/>
             <a:r>
-              <a:rPr lang="en-US"/>
+              <a:rPr lang="en-US" dirty="0"/>
               <a:t>After receiving a “NACK” from the receiver</a:t>
             </a:r>
           </a:p>
           <a:p>
             <a:pPr lvl="1"/>
             <a:r>
-              <a:rPr lang="en-US"/>
+              <a:rPr lang="en-US" dirty="0"/>
               <a:t>After receiving no feedback from the receiver </a:t>
             </a:r>
           </a:p>
@@ -14431,82 +14479,114 @@
           <a:lstStyle/>
           <a:p>
             <a:r>
-              <a:rPr lang="en-US"/>
+              <a:rPr lang="en-US" dirty="0"/>
               <a:t>Over a perfectly reliable channel</a:t>
             </a:r>
           </a:p>
           <a:p>
             <a:pPr lvl="1"/>
             <a:r>
-              <a:rPr lang="en-US"/>
+              <a:rPr lang="en-US" dirty="0"/>
               <a:t>All of the data arrives in order, just as it was sent</a:t>
             </a:r>
           </a:p>
           <a:p>
             <a:pPr lvl="1"/>
             <a:r>
-              <a:rPr lang="en-US"/>
+              <a:rPr lang="en-US" dirty="0"/>
               <a:t>Simple: sender sends data, and receiver receives data</a:t>
             </a:r>
           </a:p>
           <a:p>
             <a:r>
-              <a:rPr lang="en-US"/>
-              <a:t>Over a channel with bit errors</a:t>
+              <a:rPr lang="en-US" dirty="0"/>
+              <a:t>Over a channel with </a:t>
+            </a:r>
+            <a:r>
+              <a:rPr lang="en-US" dirty="0">
+                <a:solidFill>
+                  <a:srgbClr val="FF0000"/>
+                </a:solidFill>
+              </a:rPr>
+              <a:t>bit errors</a:t>
             </a:r>
           </a:p>
           <a:p>
             <a:pPr lvl="1"/>
             <a:r>
-              <a:rPr lang="en-US"/>
+              <a:rPr lang="en-US" dirty="0"/>
               <a:t>All of the data arrives in order, but some bits corrupted</a:t>
             </a:r>
           </a:p>
           <a:p>
             <a:pPr lvl="1"/>
             <a:r>
-              <a:rPr lang="en-US"/>
+              <a:rPr lang="en-US" dirty="0"/>
               <a:t>Receiver detects errors and says “please repeat that”</a:t>
             </a:r>
           </a:p>
           <a:p>
             <a:pPr lvl="1"/>
             <a:r>
-              <a:rPr lang="en-US"/>
+              <a:rPr lang="en-US" dirty="0"/>
               <a:t>Sender retransmits the data that were corrupted</a:t>
             </a:r>
           </a:p>
           <a:p>
             <a:r>
-              <a:rPr lang="en-US"/>
-              <a:t>Over a lossy channel with bit errors</a:t>
+              <a:rPr lang="en-US" dirty="0"/>
+              <a:t>Over a </a:t>
+            </a:r>
+            <a:r>
+              <a:rPr lang="en-US" dirty="0" err="1">
+                <a:solidFill>
+                  <a:srgbClr val="FF0000"/>
+                </a:solidFill>
+              </a:rPr>
+              <a:t>lossy</a:t>
+            </a:r>
+            <a:r>
+              <a:rPr lang="en-US" dirty="0">
+                <a:solidFill>
+                  <a:srgbClr val="FF0000"/>
+                </a:solidFill>
+              </a:rPr>
+              <a:t> channel with bit errors</a:t>
             </a:r>
           </a:p>
           <a:p>
             <a:pPr lvl="1"/>
             <a:r>
-              <a:rPr lang="en-US"/>
+              <a:rPr lang="en-US" dirty="0"/>
               <a:t>Some data are missing, and some bits are corrupted</a:t>
             </a:r>
           </a:p>
           <a:p>
             <a:pPr lvl="1"/>
             <a:r>
-              <a:rPr lang="en-US"/>
+              <a:rPr lang="en-US" dirty="0"/>
               <a:t>Receiver detects errors but cannot always detect loss</a:t>
             </a:r>
           </a:p>
           <a:p>
             <a:pPr lvl="1"/>
             <a:r>
-              <a:rPr lang="en-US"/>
-              <a:t>Sender must wait for acknowledgment (“ACK” or “OK”)</a:t>
+              <a:rPr lang="en-US" dirty="0">
+                <a:solidFill>
+                  <a:srgbClr val="FF0000"/>
+                </a:solidFill>
+              </a:rPr>
+              <a:t>Sender must wait for acknowledgment </a:t>
+            </a:r>
+            <a:r>
+              <a:rPr lang="en-US" dirty="0"/>
+              <a:t>(“ACK” or “OK”)</a:t>
             </a:r>
           </a:p>
           <a:p>
             <a:pPr lvl="1"/>
             <a:r>
-              <a:rPr lang="en-US"/>
+              <a:rPr lang="en-US" dirty="0"/>
               <a:t>… and retransmit data after some time if no ACK arrives</a:t>
             </a:r>
           </a:p>
@@ -14700,7 +14780,15 @@
             <a:pPr lvl="1"/>
             <a:r>
               <a:rPr lang="en-US" dirty="0"/>
-              <a:t>Used to detect missing data</a:t>
+              <a:t>Used to </a:t>
+            </a:r>
+            <a:r>
+              <a:rPr lang="en-US" dirty="0">
+                <a:solidFill>
+                  <a:srgbClr val="FF0000"/>
+                </a:solidFill>
+              </a:rPr>
+              <a:t>detect missing data</a:t>
             </a:r>
           </a:p>
           <a:p>
@@ -14733,8 +14821,16 @@
           <a:p>
             <a:pPr lvl="1"/>
             <a:r>
+              <a:rPr lang="en-US" dirty="0">
+                <a:solidFill>
+                  <a:srgbClr val="FF0000"/>
+                </a:solidFill>
+              </a:rPr>
+              <a:t>Fast retransmit algorithm </a:t>
+            </a:r>
+            <a:r>
               <a:rPr lang="en-US" dirty="0"/>
-              <a:t>Fast retransmit algorithm for rapid retransmission</a:t>
+              <a:t>for rapid retransmission</a:t>
             </a:r>
           </a:p>
         </p:txBody>
@@ -28059,7 +28155,19 @@
             </a:pPr>
             <a:r>
               <a:rPr lang="en-US" sz="2400" dirty="0"/>
-              <a:t>Set from a 32-bit clock that ticks every 4 microseconds</a:t>
+              <a:t>Set from a </a:t>
+            </a:r>
+            <a:r>
+              <a:rPr lang="en-US" sz="2400" dirty="0">
+                <a:solidFill>
+                  <a:srgbClr val="FF0000"/>
+                </a:solidFill>
+              </a:rPr>
+              <a:t>32-bit clock </a:t>
+            </a:r>
+            <a:r>
+              <a:rPr lang="en-US" sz="2400" dirty="0"/>
+              <a:t>that ticks every 4 microseconds</a:t>
             </a:r>
           </a:p>
           <a:p>
@@ -34224,14 +34332,38 @@
             <a:pPr lvl="1"/>
             <a:r>
               <a:rPr lang="en-US" sz="2400" dirty="0"/>
-              <a:t>Packet is lost inside the network, or</a:t>
+              <a:t>Packet is lost </a:t>
+            </a:r>
+            <a:r>
+              <a:rPr lang="en-US" sz="2400" dirty="0">
+                <a:solidFill>
+                  <a:srgbClr val="FF0000"/>
+                </a:solidFill>
+              </a:rPr>
+              <a:t>inside the network</a:t>
+            </a:r>
+            <a:r>
+              <a:rPr lang="en-US" sz="2400" dirty="0"/>
+              <a:t>, or</a:t>
             </a:r>
           </a:p>
           <a:p>
             <a:pPr lvl="1"/>
             <a:r>
               <a:rPr lang="en-US" sz="2400" dirty="0"/>
-              <a:t>Server rejects the packet (e.g., listen queue is full)</a:t>
+              <a:t>Server </a:t>
+            </a:r>
+            <a:r>
+              <a:rPr lang="en-US" sz="2400" dirty="0">
+                <a:solidFill>
+                  <a:srgbClr val="FF0000"/>
+                </a:solidFill>
+              </a:rPr>
+              <a:t>rejects the packet </a:t>
+            </a:r>
+            <a:r>
+              <a:rPr lang="en-US" sz="2400" dirty="0"/>
+              <a:t>(e.g., listen queue is full)</a:t>
             </a:r>
           </a:p>
           <a:p>
@@ -34271,7 +34403,15 @@
             <a:pPr lvl="1"/>
             <a:r>
               <a:rPr lang="en-US" sz="2400" dirty="0"/>
-              <a:t>Hard to guess a reasonable length of time to wait</a:t>
+              <a:t>Hard to guess a </a:t>
+            </a:r>
+            <a:r>
+              <a:rPr lang="en-US" sz="2400" dirty="0">
+                <a:solidFill>
+                  <a:srgbClr val="FF0000"/>
+                </a:solidFill>
+              </a:rPr>
+              <a:t>reasonable length of time to wait</a:t>
             </a:r>
           </a:p>
           <a:p>
@@ -39427,7 +39567,15 @@
           <a:p>
             <a:r>
               <a:rPr lang="en-US" dirty="0"/>
-              <a:t>An ACK doesn’t really acknowledge a transmission</a:t>
+              <a:t>An ACK </a:t>
+            </a:r>
+            <a:r>
+              <a:rPr lang="en-US" dirty="0">
+                <a:solidFill>
+                  <a:srgbClr val="FF0000"/>
+                </a:solidFill>
+              </a:rPr>
+              <a:t>doesn’t really acknowledge a transmission</a:t>
             </a:r>
           </a:p>
           <a:p>
@@ -46473,7 +46621,15 @@
           <a:p>
             <a:r>
               <a:rPr lang="en-US" dirty="0"/>
-              <a:t>Idea: have the receiver send ACK packets</a:t>
+              <a:t>Idea: </a:t>
+            </a:r>
+            <a:r>
+              <a:rPr lang="en-US" dirty="0">
+                <a:solidFill>
+                  <a:srgbClr val="FF0000"/>
+                </a:solidFill>
+              </a:rPr>
+              <a:t>have the receiver send ACK packets</a:t>
             </a:r>
           </a:p>
           <a:p>
@@ -49942,42 +50098,62 @@
           <a:lstStyle/>
           <a:p>
             <a:r>
-              <a:rPr lang="en-US"/>
+              <a:rPr lang="en-US" dirty="0"/>
               <a:t>Lightweight communication between processes</a:t>
             </a:r>
           </a:p>
           <a:p>
             <a:pPr lvl="1"/>
             <a:r>
-              <a:rPr lang="en-US"/>
+              <a:rPr lang="en-US" dirty="0"/>
               <a:t>Avoid overhead and delays of ordered, reliable delivery</a:t>
             </a:r>
           </a:p>
           <a:p>
             <a:pPr lvl="1"/>
             <a:r>
-              <a:rPr lang="en-US"/>
+              <a:rPr lang="en-US" dirty="0"/>
               <a:t>Send messages to and receive them from a socket</a:t>
             </a:r>
           </a:p>
           <a:p>
             <a:r>
-              <a:rPr lang="en-US"/>
+              <a:rPr lang="en-US" dirty="0"/>
               <a:t>User Datagram Protocol (UDP)</a:t>
             </a:r>
           </a:p>
           <a:p>
             <a:pPr lvl="1"/>
             <a:r>
-              <a:rPr lang="en-US"/>
-              <a:t>IP plus port numbers to support (de)multiplexing</a:t>
+              <a:rPr lang="en-US" dirty="0">
+                <a:solidFill>
+                  <a:srgbClr val="FF0000"/>
+                </a:solidFill>
+              </a:rPr>
+              <a:t>IP plus port numbers </a:t>
+            </a:r>
+            <a:r>
+              <a:rPr lang="en-US" dirty="0"/>
+              <a:t>to support (de)multiplexing</a:t>
             </a:r>
           </a:p>
           <a:p>
             <a:pPr lvl="1"/>
             <a:r>
-              <a:rPr lang="en-US"/>
-              <a:t>Optional error checking on the packet contents</a:t>
+              <a:rPr lang="en-US" dirty="0"/>
+              <a:t>Optional </a:t>
+            </a:r>
+            <a:r>
+              <a:rPr lang="en-US" dirty="0">
+                <a:solidFill>
+                  <a:srgbClr val="FF0000"/>
+                </a:solidFill>
+              </a:rPr>
+              <a:t>error checking </a:t>
+            </a:r>
+            <a:r>
+              <a:rPr lang="en-US" dirty="0"/>
+              <a:t>on the packet contents</a:t>
             </a:r>
           </a:p>
         </p:txBody>
@@ -50557,74 +50733,90 @@
           <a:lstStyle/>
           <a:p>
             <a:r>
-              <a:rPr lang="en-US"/>
+              <a:rPr lang="en-US" dirty="0"/>
               <a:t>Finer control over what data is sent and when</a:t>
             </a:r>
           </a:p>
           <a:p>
             <a:pPr lvl="1"/>
             <a:r>
-              <a:rPr lang="en-US"/>
+              <a:rPr lang="en-US" dirty="0"/>
               <a:t>As soon as an application process writes into the socket</a:t>
             </a:r>
           </a:p>
           <a:p>
             <a:pPr lvl="1"/>
             <a:r>
-              <a:rPr lang="en-US"/>
+              <a:rPr lang="en-US" dirty="0"/>
               <a:t>… UDP will package the data and send the packet</a:t>
             </a:r>
           </a:p>
           <a:p>
             <a:r>
-              <a:rPr lang="en-US"/>
-              <a:t>No delay for connection establishment </a:t>
+              <a:rPr lang="en-US" dirty="0">
+                <a:solidFill>
+                  <a:srgbClr val="FF0000"/>
+                </a:solidFill>
+              </a:rPr>
+              <a:t>No delay </a:t>
+            </a:r>
+            <a:r>
+              <a:rPr lang="en-US" dirty="0"/>
+              <a:t>for connection establishment </a:t>
             </a:r>
           </a:p>
           <a:p>
             <a:pPr lvl="1"/>
             <a:r>
-              <a:rPr lang="en-US"/>
+              <a:rPr lang="en-US" dirty="0"/>
               <a:t>UDP just blasts away without any formal preliminaries</a:t>
             </a:r>
           </a:p>
           <a:p>
             <a:pPr lvl="1"/>
             <a:r>
-              <a:rPr lang="en-US"/>
+              <a:rPr lang="en-US" dirty="0"/>
               <a:t>… which avoids introducing any unnecessary delays</a:t>
             </a:r>
           </a:p>
           <a:p>
             <a:r>
-              <a:rPr lang="en-US"/>
+              <a:rPr lang="en-US" dirty="0">
+                <a:solidFill>
+                  <a:srgbClr val="FF0000"/>
+                </a:solidFill>
+              </a:rPr>
               <a:t>No connection state</a:t>
             </a:r>
           </a:p>
           <a:p>
             <a:pPr lvl="1"/>
             <a:r>
-              <a:rPr lang="en-US"/>
+              <a:rPr lang="en-US" dirty="0"/>
               <a:t>No allocation of buffers, parameters, sequence #s, etc.</a:t>
             </a:r>
           </a:p>
           <a:p>
             <a:pPr lvl="1"/>
             <a:r>
-              <a:rPr lang="en-US"/>
+              <a:rPr lang="en-US" dirty="0"/>
               <a:t>… making it easier to handle many active clients at once</a:t>
             </a:r>
           </a:p>
           <a:p>
             <a:r>
-              <a:rPr lang="en-US"/>
+              <a:rPr lang="en-US" dirty="0">
+                <a:solidFill>
+                  <a:srgbClr val="FF0000"/>
+                </a:solidFill>
+              </a:rPr>
               <a:t>Small packet header overhead</a:t>
             </a:r>
           </a:p>
           <a:p>
             <a:pPr lvl="1"/>
             <a:r>
-              <a:rPr lang="en-US"/>
+              <a:rPr lang="en-US" dirty="0"/>
               <a:t>UDP header is only eight-bytes long</a:t>
             </a:r>
           </a:p>

--- a/CSC458/lecture/w6/H10--CSC458-AA.pptx
+++ b/CSC458/lecture/w6/H10--CSC458-AA.pptx
@@ -273,7 +273,7 @@
             <a:fld id="{F6E8FB5F-E7AB-4BA0-A6C1-C4CE60F54423}" type="datetimeFigureOut">
               <a:rPr lang="en-US" smtClean="0"/>
               <a:pPr/>
-              <a:t>11/12/17</a:t>
+              <a:t>12/13/17</a:t>
             </a:fld>
             <a:endParaRPr lang="en-CA"/>
           </a:p>
@@ -441,7 +441,7 @@
             <a:fld id="{72B8EC05-3D9B-431F-86FE-1307797B1786}" type="datetimeFigureOut">
               <a:rPr lang="en-US" smtClean="0"/>
               <a:pPr/>
-              <a:t>11/12/17</a:t>
+              <a:t>12/13/17</a:t>
             </a:fld>
             <a:endParaRPr lang="en-CA"/>
           </a:p>
